--- a/docs/architecture.pptx
+++ b/docs/architecture.pptx
@@ -104,6 +104,11 @@
       </a:defRPr>
     </a:lvl9pPr>
   </p:defaultTextStyle>
+  <p:extLst>
+    <p:ext uri="{EFAFB233-063F-42B5-8137-9DF3F51BA10A}">
+      <p15:sldGuideLst xmlns:p15="http://schemas.microsoft.com/office/powerpoint/2012/main"/>
+    </p:ext>
+  </p:extLst>
 </p:presentation>
 </file>
 
@@ -238,7 +243,7 @@
           <a:p>
             <a:fld id="{6CDE2DCB-BE3A-423F-A350-95CF34991A6C}" type="datetimeFigureOut">
               <a:rPr lang="ko-KR" altLang="en-US" smtClean="0"/>
-              <a:t>2023-12-16</a:t>
+              <a:t>2023-12-18</a:t>
             </a:fld>
             <a:endParaRPr lang="ko-KR" altLang="en-US"/>
           </a:p>
@@ -408,7 +413,7 @@
           <a:p>
             <a:fld id="{6CDE2DCB-BE3A-423F-A350-95CF34991A6C}" type="datetimeFigureOut">
               <a:rPr lang="ko-KR" altLang="en-US" smtClean="0"/>
-              <a:t>2023-12-16</a:t>
+              <a:t>2023-12-18</a:t>
             </a:fld>
             <a:endParaRPr lang="ko-KR" altLang="en-US"/>
           </a:p>
@@ -588,7 +593,7 @@
           <a:p>
             <a:fld id="{6CDE2DCB-BE3A-423F-A350-95CF34991A6C}" type="datetimeFigureOut">
               <a:rPr lang="ko-KR" altLang="en-US" smtClean="0"/>
-              <a:t>2023-12-16</a:t>
+              <a:t>2023-12-18</a:t>
             </a:fld>
             <a:endParaRPr lang="ko-KR" altLang="en-US"/>
           </a:p>
@@ -758,7 +763,7 @@
           <a:p>
             <a:fld id="{6CDE2DCB-BE3A-423F-A350-95CF34991A6C}" type="datetimeFigureOut">
               <a:rPr lang="ko-KR" altLang="en-US" smtClean="0"/>
-              <a:t>2023-12-16</a:t>
+              <a:t>2023-12-18</a:t>
             </a:fld>
             <a:endParaRPr lang="ko-KR" altLang="en-US"/>
           </a:p>
@@ -1002,7 +1007,7 @@
           <a:p>
             <a:fld id="{6CDE2DCB-BE3A-423F-A350-95CF34991A6C}" type="datetimeFigureOut">
               <a:rPr lang="ko-KR" altLang="en-US" smtClean="0"/>
-              <a:t>2023-12-16</a:t>
+              <a:t>2023-12-18</a:t>
             </a:fld>
             <a:endParaRPr lang="ko-KR" altLang="en-US"/>
           </a:p>
@@ -1234,7 +1239,7 @@
           <a:p>
             <a:fld id="{6CDE2DCB-BE3A-423F-A350-95CF34991A6C}" type="datetimeFigureOut">
               <a:rPr lang="ko-KR" altLang="en-US" smtClean="0"/>
-              <a:t>2023-12-16</a:t>
+              <a:t>2023-12-18</a:t>
             </a:fld>
             <a:endParaRPr lang="ko-KR" altLang="en-US"/>
           </a:p>
@@ -1601,7 +1606,7 @@
           <a:p>
             <a:fld id="{6CDE2DCB-BE3A-423F-A350-95CF34991A6C}" type="datetimeFigureOut">
               <a:rPr lang="ko-KR" altLang="en-US" smtClean="0"/>
-              <a:t>2023-12-16</a:t>
+              <a:t>2023-12-18</a:t>
             </a:fld>
             <a:endParaRPr lang="ko-KR" altLang="en-US"/>
           </a:p>
@@ -1719,7 +1724,7 @@
           <a:p>
             <a:fld id="{6CDE2DCB-BE3A-423F-A350-95CF34991A6C}" type="datetimeFigureOut">
               <a:rPr lang="ko-KR" altLang="en-US" smtClean="0"/>
-              <a:t>2023-12-16</a:t>
+              <a:t>2023-12-18</a:t>
             </a:fld>
             <a:endParaRPr lang="ko-KR" altLang="en-US"/>
           </a:p>
@@ -1814,7 +1819,7 @@
           <a:p>
             <a:fld id="{6CDE2DCB-BE3A-423F-A350-95CF34991A6C}" type="datetimeFigureOut">
               <a:rPr lang="ko-KR" altLang="en-US" smtClean="0"/>
-              <a:t>2023-12-16</a:t>
+              <a:t>2023-12-18</a:t>
             </a:fld>
             <a:endParaRPr lang="ko-KR" altLang="en-US"/>
           </a:p>
@@ -2091,7 +2096,7 @@
           <a:p>
             <a:fld id="{6CDE2DCB-BE3A-423F-A350-95CF34991A6C}" type="datetimeFigureOut">
               <a:rPr lang="ko-KR" altLang="en-US" smtClean="0"/>
-              <a:t>2023-12-16</a:t>
+              <a:t>2023-12-18</a:t>
             </a:fld>
             <a:endParaRPr lang="ko-KR" altLang="en-US"/>
           </a:p>
@@ -2348,7 +2353,7 @@
           <a:p>
             <a:fld id="{6CDE2DCB-BE3A-423F-A350-95CF34991A6C}" type="datetimeFigureOut">
               <a:rPr lang="ko-KR" altLang="en-US" smtClean="0"/>
-              <a:t>2023-12-16</a:t>
+              <a:t>2023-12-18</a:t>
             </a:fld>
             <a:endParaRPr lang="ko-KR" altLang="en-US"/>
           </a:p>
@@ -2561,7 +2566,7 @@
           <a:p>
             <a:fld id="{6CDE2DCB-BE3A-423F-A350-95CF34991A6C}" type="datetimeFigureOut">
               <a:rPr lang="ko-KR" altLang="en-US" smtClean="0"/>
-              <a:t>2023-12-16</a:t>
+              <a:t>2023-12-18</a:t>
             </a:fld>
             <a:endParaRPr lang="ko-KR" altLang="en-US"/>
           </a:p>
@@ -2994,7 +2999,7 @@
         </p:blipFill>
         <p:spPr>
           <a:xfrm>
-            <a:off x="15348857" y="8317818"/>
+            <a:off x="15490373" y="10314258"/>
             <a:ext cx="1480457" cy="1480457"/>
           </a:xfrm>
           <a:prstGeom prst="rect">
@@ -3165,7 +3170,7 @@
         </p:nvSpPr>
         <p:spPr>
           <a:xfrm>
-            <a:off x="6770915" y="6172766"/>
+            <a:off x="6721608" y="9460855"/>
             <a:ext cx="2677885" cy="1132114"/>
           </a:xfrm>
           <a:prstGeom prst="rect">
@@ -3242,7 +3247,7 @@
         </p:nvSpPr>
         <p:spPr>
           <a:xfrm>
-            <a:off x="6770914" y="8247289"/>
+            <a:off x="6770914" y="11535378"/>
             <a:ext cx="2677885" cy="1132114"/>
           </a:xfrm>
           <a:prstGeom prst="rect">
@@ -3383,7 +3388,7 @@
         </p:nvSpPr>
         <p:spPr>
           <a:xfrm>
-            <a:off x="11957163" y="6172766"/>
+            <a:off x="11957162" y="5839903"/>
             <a:ext cx="2677885" cy="1132114"/>
           </a:xfrm>
           <a:prstGeom prst="rect">
@@ -3519,7 +3524,7 @@
         </p:nvSpPr>
         <p:spPr>
           <a:xfrm>
-            <a:off x="17143411" y="6172766"/>
+            <a:off x="17143411" y="5839903"/>
             <a:ext cx="2677885" cy="1132114"/>
           </a:xfrm>
           <a:prstGeom prst="rect">
@@ -3633,14 +3638,15 @@
           </p:cNvPr>
           <p:cNvCxnSpPr>
             <a:cxnSpLocks/>
+            <a:stCxn id="15" idx="1"/>
             <a:endCxn id="14" idx="3"/>
           </p:cNvCxnSpPr>
           <p:nvPr/>
         </p:nvCxnSpPr>
         <p:spPr>
           <a:xfrm flipH="1">
-            <a:off x="14635048" y="4593771"/>
-            <a:ext cx="2508363" cy="2145052"/>
+            <a:off x="14635047" y="4593771"/>
+            <a:ext cx="2508365" cy="1812189"/>
           </a:xfrm>
           <a:prstGeom prst="straightConnector1">
             <a:avLst/>
@@ -3722,7 +3728,7 @@
         </p:nvCxnSpPr>
         <p:spPr>
           <a:xfrm>
-            <a:off x="19550102" y="11593851"/>
+            <a:off x="19816327" y="12675891"/>
             <a:ext cx="2187081" cy="0"/>
           </a:xfrm>
           <a:prstGeom prst="straightConnector1">
@@ -3766,7 +3772,7 @@
         </p:nvCxnSpPr>
         <p:spPr>
           <a:xfrm>
-            <a:off x="19555071" y="12518570"/>
+            <a:off x="19821296" y="13600610"/>
             <a:ext cx="2182112" cy="0"/>
           </a:xfrm>
           <a:prstGeom prst="straightConnector1">
@@ -3805,7 +3811,7 @@
         </p:nvSpPr>
         <p:spPr>
           <a:xfrm>
-            <a:off x="21956486" y="11286074"/>
+            <a:off x="22222711" y="12368114"/>
             <a:ext cx="2721428" cy="615553"/>
           </a:xfrm>
           <a:prstGeom prst="rect">
@@ -3841,7 +3847,7 @@
         </p:nvSpPr>
         <p:spPr>
           <a:xfrm>
-            <a:off x="22021800" y="12210793"/>
+            <a:off x="22288025" y="13292833"/>
             <a:ext cx="2721428" cy="615553"/>
           </a:xfrm>
           <a:prstGeom prst="rect">
@@ -3879,7 +3885,7 @@
         </p:nvCxnSpPr>
         <p:spPr>
           <a:xfrm>
-            <a:off x="19555071" y="13537715"/>
+            <a:off x="19821296" y="14619755"/>
             <a:ext cx="2182112" cy="0"/>
           </a:xfrm>
           <a:prstGeom prst="straightConnector1">
@@ -3921,7 +3927,7 @@
         </p:nvSpPr>
         <p:spPr>
           <a:xfrm>
-            <a:off x="22021800" y="13229938"/>
+            <a:off x="22288025" y="14311978"/>
             <a:ext cx="2721428" cy="615553"/>
           </a:xfrm>
           <a:prstGeom prst="rect">
@@ -4006,8 +4012,8 @@
         </p:nvCxnSpPr>
         <p:spPr>
           <a:xfrm>
-            <a:off x="14635048" y="6738823"/>
-            <a:ext cx="2508363" cy="0"/>
+            <a:off x="14635047" y="6405960"/>
+            <a:ext cx="2508364" cy="0"/>
           </a:xfrm>
           <a:prstGeom prst="straightConnector1">
             <a:avLst/>
@@ -4053,7 +4059,7 @@
         <p:spPr>
           <a:xfrm flipH="1" flipV="1">
             <a:off x="9448800" y="4593771"/>
-            <a:ext cx="2508363" cy="2145052"/>
+            <a:ext cx="2508362" cy="1812189"/>
           </a:xfrm>
           <a:prstGeom prst="straightConnector1">
             <a:avLst/>
@@ -4099,7 +4105,7 @@
         <p:spPr>
           <a:xfrm>
             <a:off x="4431433" y="6738823"/>
-            <a:ext cx="2339482" cy="0"/>
+            <a:ext cx="2290175" cy="3288089"/>
           </a:xfrm>
           <a:prstGeom prst="straightConnector1">
             <a:avLst/>
@@ -4145,7 +4151,7 @@
         <p:spPr>
           <a:xfrm>
             <a:off x="4431433" y="6738823"/>
-            <a:ext cx="2339481" cy="2074523"/>
+            <a:ext cx="2339481" cy="5362612"/>
           </a:xfrm>
           <a:prstGeom prst="straightConnector1">
             <a:avLst/>
@@ -4189,12 +4195,12 @@
         </p:nvCxnSpPr>
         <p:spPr>
           <a:xfrm>
-            <a:off x="9448800" y="6738823"/>
-            <a:ext cx="5900057" cy="2319223"/>
+            <a:off x="9399493" y="10026912"/>
+            <a:ext cx="6090880" cy="1027575"/>
           </a:xfrm>
           <a:prstGeom prst="bentConnector3">
             <a:avLst>
-              <a:gd name="adj1" fmla="val 19742"/>
+              <a:gd name="adj1" fmla="val 50000"/>
             </a:avLst>
           </a:prstGeom>
           <a:ln w="76200">
@@ -4231,17 +4237,18 @@
           <p:cNvCxnSpPr>
             <a:cxnSpLocks/>
             <a:stCxn id="12" idx="3"/>
+            <a:endCxn id="5" idx="1"/>
           </p:cNvCxnSpPr>
           <p:nvPr/>
         </p:nvCxnSpPr>
         <p:spPr>
-          <a:xfrm>
-            <a:off x="9448799" y="8813346"/>
-            <a:ext cx="5900057" cy="244700"/>
+          <a:xfrm flipV="1">
+            <a:off x="9448799" y="11054487"/>
+            <a:ext cx="6041574" cy="1046948"/>
           </a:xfrm>
           <a:prstGeom prst="bentConnector3">
             <a:avLst>
-              <a:gd name="adj1" fmla="val 19373"/>
+              <a:gd name="adj1" fmla="val 50000"/>
             </a:avLst>
           </a:prstGeom>
           <a:ln w="76200">
@@ -4284,8 +4291,8 @@
         </p:nvCxnSpPr>
         <p:spPr>
           <a:xfrm rot="5400000">
-            <a:off x="16779251" y="7354943"/>
-            <a:ext cx="1753167" cy="1653040"/>
+            <a:off x="15685357" y="8257490"/>
+            <a:ext cx="4082470" cy="1511524"/>
           </a:xfrm>
           <a:prstGeom prst="bentConnector2">
             <a:avLst/>
@@ -4326,8 +4333,8 @@
         </p:nvSpPr>
         <p:spPr>
           <a:xfrm>
-            <a:off x="11146971" y="1937657"/>
-            <a:ext cx="4343402" cy="5886466"/>
+            <a:off x="10469880" y="1937657"/>
+            <a:ext cx="5699759" cy="7523198"/>
           </a:xfrm>
           <a:prstGeom prst="roundRect">
             <a:avLst/>
@@ -4397,6 +4404,259 @@
               <a:t>Architecture</a:t>
             </a:r>
             <a:endParaRPr lang="ko-KR" altLang="en-US" sz="3400" b="1"/>
+          </a:p>
+        </p:txBody>
+      </p:sp>
+      <p:sp>
+        <p:nvSpPr>
+          <p:cNvPr id="21" name="직사각형 20">
+            <a:extLst>
+              <a:ext uri="{FF2B5EF4-FFF2-40B4-BE49-F238E27FC236}">
+                <a16:creationId xmlns:a16="http://schemas.microsoft.com/office/drawing/2014/main" id="{40B038E8-0937-7C14-B075-75A0C81B3B8C}"/>
+              </a:ext>
+            </a:extLst>
+          </p:cNvPr>
+          <p:cNvSpPr/>
+          <p:nvPr/>
+        </p:nvSpPr>
+        <p:spPr>
+          <a:xfrm>
+            <a:off x="11157856" y="7838613"/>
+            <a:ext cx="4343402" cy="1132114"/>
+          </a:xfrm>
+          <a:prstGeom prst="rect">
+            <a:avLst/>
+          </a:prstGeom>
+          <a:solidFill>
+            <a:schemeClr val="accent2">
+              <a:lumMod val="20000"/>
+              <a:lumOff val="80000"/>
+            </a:schemeClr>
+          </a:solidFill>
+          <a:ln>
+            <a:solidFill>
+              <a:schemeClr val="accent2"/>
+            </a:solidFill>
+          </a:ln>
+        </p:spPr>
+        <p:style>
+          <a:lnRef idx="2">
+            <a:schemeClr val="accent1">
+              <a:shade val="15000"/>
+            </a:schemeClr>
+          </a:lnRef>
+          <a:fillRef idx="1">
+            <a:schemeClr val="accent1"/>
+          </a:fillRef>
+          <a:effectRef idx="0">
+            <a:schemeClr val="accent1"/>
+          </a:effectRef>
+          <a:fontRef idx="minor">
+            <a:schemeClr val="lt1"/>
+          </a:fontRef>
+        </p:style>
+        <p:txBody>
+          <a:bodyPr rtlCol="0" anchor="ctr"/>
+          <a:lstStyle/>
+          <a:p>
+            <a:pPr algn="ctr"/>
+            <a:r>
+              <a:rPr lang="en-US" altLang="ko-KR" sz="3400" b="1">
+                <a:solidFill>
+                  <a:schemeClr val="tx1"/>
+                </a:solidFill>
+              </a:rPr>
+              <a:t>Refresh-Banned-Word</a:t>
+            </a:r>
+          </a:p>
+        </p:txBody>
+      </p:sp>
+      <p:cxnSp>
+        <p:nvCxnSpPr>
+          <p:cNvPr id="22" name="직선 화살표 연결선 21">
+            <a:extLst>
+              <a:ext uri="{FF2B5EF4-FFF2-40B4-BE49-F238E27FC236}">
+                <a16:creationId xmlns:a16="http://schemas.microsoft.com/office/drawing/2014/main" id="{B058A529-FBEA-4CE4-291C-CB76D7C13B16}"/>
+              </a:ext>
+            </a:extLst>
+          </p:cNvPr>
+          <p:cNvCxnSpPr>
+            <a:cxnSpLocks/>
+            <a:stCxn id="11" idx="3"/>
+            <a:endCxn id="21" idx="1"/>
+          </p:cNvCxnSpPr>
+          <p:nvPr/>
+        </p:nvCxnSpPr>
+        <p:spPr>
+          <a:xfrm flipV="1">
+            <a:off x="9399493" y="8404670"/>
+            <a:ext cx="1758363" cy="1622242"/>
+          </a:xfrm>
+          <a:prstGeom prst="straightConnector1">
+            <a:avLst/>
+          </a:prstGeom>
+          <a:ln w="76200">
+            <a:tailEnd type="triangle"/>
+          </a:ln>
+        </p:spPr>
+        <p:style>
+          <a:lnRef idx="1">
+            <a:schemeClr val="accent1"/>
+          </a:lnRef>
+          <a:fillRef idx="0">
+            <a:schemeClr val="accent1"/>
+          </a:fillRef>
+          <a:effectRef idx="0">
+            <a:schemeClr val="accent1"/>
+          </a:effectRef>
+          <a:fontRef idx="minor">
+            <a:schemeClr val="tx1"/>
+          </a:fontRef>
+        </p:style>
+      </p:cxnSp>
+      <p:cxnSp>
+        <p:nvCxnSpPr>
+          <p:cNvPr id="30" name="직선 화살표 연결선 29">
+            <a:extLst>
+              <a:ext uri="{FF2B5EF4-FFF2-40B4-BE49-F238E27FC236}">
+                <a16:creationId xmlns:a16="http://schemas.microsoft.com/office/drawing/2014/main" id="{4D952787-31C8-726B-8B26-29FD1C687DF3}"/>
+              </a:ext>
+            </a:extLst>
+          </p:cNvPr>
+          <p:cNvCxnSpPr>
+            <a:cxnSpLocks/>
+            <a:stCxn id="21" idx="3"/>
+            <a:endCxn id="15" idx="1"/>
+          </p:cNvCxnSpPr>
+          <p:nvPr/>
+        </p:nvCxnSpPr>
+        <p:spPr>
+          <a:xfrm flipV="1">
+            <a:off x="15501258" y="4593771"/>
+            <a:ext cx="1642154" cy="3810899"/>
+          </a:xfrm>
+          <a:prstGeom prst="straightConnector1">
+            <a:avLst/>
+          </a:prstGeom>
+          <a:ln w="76200">
+            <a:solidFill>
+              <a:schemeClr val="accent2"/>
+            </a:solidFill>
+            <a:tailEnd type="triangle"/>
+          </a:ln>
+        </p:spPr>
+        <p:style>
+          <a:lnRef idx="1">
+            <a:schemeClr val="accent1"/>
+          </a:lnRef>
+          <a:fillRef idx="0">
+            <a:schemeClr val="accent1"/>
+          </a:fillRef>
+          <a:effectRef idx="0">
+            <a:schemeClr val="accent1"/>
+          </a:effectRef>
+          <a:fontRef idx="minor">
+            <a:schemeClr val="tx1"/>
+          </a:fontRef>
+        </p:style>
+      </p:cxnSp>
+      <p:cxnSp>
+        <p:nvCxnSpPr>
+          <p:cNvPr id="33" name="연결선: 꺾임 32">
+            <a:extLst>
+              <a:ext uri="{FF2B5EF4-FFF2-40B4-BE49-F238E27FC236}">
+                <a16:creationId xmlns:a16="http://schemas.microsoft.com/office/drawing/2014/main" id="{0401FBB6-B3C0-33C4-D454-C11185084E39}"/>
+              </a:ext>
+            </a:extLst>
+          </p:cNvPr>
+          <p:cNvCxnSpPr>
+            <a:cxnSpLocks/>
+            <a:stCxn id="44" idx="3"/>
+            <a:endCxn id="5" idx="3"/>
+          </p:cNvCxnSpPr>
+          <p:nvPr/>
+        </p:nvCxnSpPr>
+        <p:spPr>
+          <a:xfrm flipH="1">
+            <a:off x="16970830" y="4580578"/>
+            <a:ext cx="3002104" cy="6473909"/>
+          </a:xfrm>
+          <a:prstGeom prst="bentConnector3">
+            <a:avLst>
+              <a:gd name="adj1" fmla="val -7615"/>
+            </a:avLst>
+          </a:prstGeom>
+          <a:ln w="76200">
+            <a:solidFill>
+              <a:schemeClr val="tx1"/>
+            </a:solidFill>
+            <a:tailEnd type="triangle"/>
+          </a:ln>
+        </p:spPr>
+        <p:style>
+          <a:lnRef idx="1">
+            <a:schemeClr val="accent1"/>
+          </a:lnRef>
+          <a:fillRef idx="0">
+            <a:schemeClr val="accent1"/>
+          </a:fillRef>
+          <a:effectRef idx="0">
+            <a:schemeClr val="accent1"/>
+          </a:effectRef>
+          <a:fontRef idx="minor">
+            <a:schemeClr val="tx1"/>
+          </a:fontRef>
+        </p:style>
+      </p:cxnSp>
+      <p:sp>
+        <p:nvSpPr>
+          <p:cNvPr id="44" name="직사각형 43">
+            <a:extLst>
+              <a:ext uri="{FF2B5EF4-FFF2-40B4-BE49-F238E27FC236}">
+                <a16:creationId xmlns:a16="http://schemas.microsoft.com/office/drawing/2014/main" id="{EAF70208-CFA4-9649-1B13-2CB042E60B35}"/>
+              </a:ext>
+            </a:extLst>
+          </p:cNvPr>
+          <p:cNvSpPr/>
+          <p:nvPr/>
+        </p:nvSpPr>
+        <p:spPr>
+          <a:xfrm>
+            <a:off x="19659720" y="4442016"/>
+            <a:ext cx="313214" cy="277124"/>
+          </a:xfrm>
+          <a:prstGeom prst="rect">
+            <a:avLst/>
+          </a:prstGeom>
+          <a:noFill/>
+          <a:ln>
+            <a:solidFill>
+              <a:schemeClr val="tx1"/>
+            </a:solidFill>
+          </a:ln>
+        </p:spPr>
+        <p:style>
+          <a:lnRef idx="2">
+            <a:schemeClr val="accent1">
+              <a:shade val="15000"/>
+            </a:schemeClr>
+          </a:lnRef>
+          <a:fillRef idx="1">
+            <a:schemeClr val="accent1"/>
+          </a:fillRef>
+          <a:effectRef idx="0">
+            <a:schemeClr val="accent1"/>
+          </a:effectRef>
+          <a:fontRef idx="minor">
+            <a:schemeClr val="lt1"/>
+          </a:fontRef>
+        </p:style>
+        <p:txBody>
+          <a:bodyPr rtlCol="0" anchor="ctr"/>
+          <a:lstStyle/>
+          <a:p>
+            <a:pPr algn="ctr"/>
+            <a:endParaRPr lang="ko-KR" altLang="en-US"/>
           </a:p>
         </p:txBody>
       </p:sp>

--- a/docs/architecture.pptx
+++ b/docs/architecture.pptx
@@ -243,7 +243,7 @@
           <a:p>
             <a:fld id="{6CDE2DCB-BE3A-423F-A350-95CF34991A6C}" type="datetimeFigureOut">
               <a:rPr lang="ko-KR" altLang="en-US" smtClean="0"/>
-              <a:t>2023-12-18</a:t>
+              <a:t>2023-12-19</a:t>
             </a:fld>
             <a:endParaRPr lang="ko-KR" altLang="en-US"/>
           </a:p>
@@ -413,7 +413,7 @@
           <a:p>
             <a:fld id="{6CDE2DCB-BE3A-423F-A350-95CF34991A6C}" type="datetimeFigureOut">
               <a:rPr lang="ko-KR" altLang="en-US" smtClean="0"/>
-              <a:t>2023-12-18</a:t>
+              <a:t>2023-12-19</a:t>
             </a:fld>
             <a:endParaRPr lang="ko-KR" altLang="en-US"/>
           </a:p>
@@ -593,7 +593,7 @@
           <a:p>
             <a:fld id="{6CDE2DCB-BE3A-423F-A350-95CF34991A6C}" type="datetimeFigureOut">
               <a:rPr lang="ko-KR" altLang="en-US" smtClean="0"/>
-              <a:t>2023-12-18</a:t>
+              <a:t>2023-12-19</a:t>
             </a:fld>
             <a:endParaRPr lang="ko-KR" altLang="en-US"/>
           </a:p>
@@ -763,7 +763,7 @@
           <a:p>
             <a:fld id="{6CDE2DCB-BE3A-423F-A350-95CF34991A6C}" type="datetimeFigureOut">
               <a:rPr lang="ko-KR" altLang="en-US" smtClean="0"/>
-              <a:t>2023-12-18</a:t>
+              <a:t>2023-12-19</a:t>
             </a:fld>
             <a:endParaRPr lang="ko-KR" altLang="en-US"/>
           </a:p>
@@ -1007,7 +1007,7 @@
           <a:p>
             <a:fld id="{6CDE2DCB-BE3A-423F-A350-95CF34991A6C}" type="datetimeFigureOut">
               <a:rPr lang="ko-KR" altLang="en-US" smtClean="0"/>
-              <a:t>2023-12-18</a:t>
+              <a:t>2023-12-19</a:t>
             </a:fld>
             <a:endParaRPr lang="ko-KR" altLang="en-US"/>
           </a:p>
@@ -1239,7 +1239,7 @@
           <a:p>
             <a:fld id="{6CDE2DCB-BE3A-423F-A350-95CF34991A6C}" type="datetimeFigureOut">
               <a:rPr lang="ko-KR" altLang="en-US" smtClean="0"/>
-              <a:t>2023-12-18</a:t>
+              <a:t>2023-12-19</a:t>
             </a:fld>
             <a:endParaRPr lang="ko-KR" altLang="en-US"/>
           </a:p>
@@ -1606,7 +1606,7 @@
           <a:p>
             <a:fld id="{6CDE2DCB-BE3A-423F-A350-95CF34991A6C}" type="datetimeFigureOut">
               <a:rPr lang="ko-KR" altLang="en-US" smtClean="0"/>
-              <a:t>2023-12-18</a:t>
+              <a:t>2023-12-19</a:t>
             </a:fld>
             <a:endParaRPr lang="ko-KR" altLang="en-US"/>
           </a:p>
@@ -1724,7 +1724,7 @@
           <a:p>
             <a:fld id="{6CDE2DCB-BE3A-423F-A350-95CF34991A6C}" type="datetimeFigureOut">
               <a:rPr lang="ko-KR" altLang="en-US" smtClean="0"/>
-              <a:t>2023-12-18</a:t>
+              <a:t>2023-12-19</a:t>
             </a:fld>
             <a:endParaRPr lang="ko-KR" altLang="en-US"/>
           </a:p>
@@ -1819,7 +1819,7 @@
           <a:p>
             <a:fld id="{6CDE2DCB-BE3A-423F-A350-95CF34991A6C}" type="datetimeFigureOut">
               <a:rPr lang="ko-KR" altLang="en-US" smtClean="0"/>
-              <a:t>2023-12-18</a:t>
+              <a:t>2023-12-19</a:t>
             </a:fld>
             <a:endParaRPr lang="ko-KR" altLang="en-US"/>
           </a:p>
@@ -2096,7 +2096,7 @@
           <a:p>
             <a:fld id="{6CDE2DCB-BE3A-423F-A350-95CF34991A6C}" type="datetimeFigureOut">
               <a:rPr lang="ko-KR" altLang="en-US" smtClean="0"/>
-              <a:t>2023-12-18</a:t>
+              <a:t>2023-12-19</a:t>
             </a:fld>
             <a:endParaRPr lang="ko-KR" altLang="en-US"/>
           </a:p>
@@ -2353,7 +2353,7 @@
           <a:p>
             <a:fld id="{6CDE2DCB-BE3A-423F-A350-95CF34991A6C}" type="datetimeFigureOut">
               <a:rPr lang="ko-KR" altLang="en-US" smtClean="0"/>
-              <a:t>2023-12-18</a:t>
+              <a:t>2023-12-19</a:t>
             </a:fld>
             <a:endParaRPr lang="ko-KR" altLang="en-US"/>
           </a:p>
@@ -2566,7 +2566,7 @@
           <a:p>
             <a:fld id="{6CDE2DCB-BE3A-423F-A350-95CF34991A6C}" type="datetimeFigureOut">
               <a:rPr lang="ko-KR" altLang="en-US" smtClean="0"/>
-              <a:t>2023-12-18</a:t>
+              <a:t>2023-12-19</a:t>
             </a:fld>
             <a:endParaRPr lang="ko-KR" altLang="en-US"/>
           </a:p>
@@ -3071,7 +3071,7 @@
         </p:blipFill>
         <p:spPr>
           <a:xfrm>
-            <a:off x="12506607" y="2248988"/>
+            <a:off x="16773807" y="2248988"/>
             <a:ext cx="1578995" cy="1578995"/>
           </a:xfrm>
           <a:prstGeom prst="rect">
@@ -3093,7 +3093,7 @@
         </p:nvSpPr>
         <p:spPr>
           <a:xfrm>
-            <a:off x="6770915" y="4027714"/>
+            <a:off x="9486403" y="3995503"/>
             <a:ext cx="2677885" cy="1132114"/>
           </a:xfrm>
           <a:prstGeom prst="rect">
@@ -3324,7 +3324,7 @@
         </p:nvSpPr>
         <p:spPr>
           <a:xfrm>
-            <a:off x="11957163" y="4027714"/>
+            <a:off x="16224363" y="4027714"/>
             <a:ext cx="2677885" cy="1132114"/>
           </a:xfrm>
           <a:prstGeom prst="rect">
@@ -3388,7 +3388,7 @@
         </p:nvSpPr>
         <p:spPr>
           <a:xfrm>
-            <a:off x="11957162" y="5839903"/>
+            <a:off x="16224362" y="5839903"/>
             <a:ext cx="2677885" cy="1132114"/>
           </a:xfrm>
           <a:prstGeom prst="rect">
@@ -3452,7 +3452,7 @@
         </p:nvSpPr>
         <p:spPr>
           <a:xfrm>
-            <a:off x="17143412" y="4027714"/>
+            <a:off x="21410612" y="4027714"/>
             <a:ext cx="2677885" cy="1132114"/>
           </a:xfrm>
           <a:prstGeom prst="rect">
@@ -3524,7 +3524,7 @@
         </p:nvSpPr>
         <p:spPr>
           <a:xfrm>
-            <a:off x="17143411" y="5839903"/>
+            <a:off x="21410611" y="5839903"/>
             <a:ext cx="2677885" cy="1132114"/>
           </a:xfrm>
           <a:prstGeom prst="rect">
@@ -3592,15 +3592,16 @@
             </a:extLst>
           </p:cNvPr>
           <p:cNvCxnSpPr>
+            <a:cxnSpLocks/>
             <a:stCxn id="7" idx="3"/>
-            <a:endCxn id="10" idx="1"/>
+            <a:endCxn id="3" idx="1"/>
           </p:cNvCxnSpPr>
           <p:nvPr/>
         </p:nvCxnSpPr>
         <p:spPr>
           <a:xfrm flipV="1">
-            <a:off x="4431433" y="4593771"/>
-            <a:ext cx="2339482" cy="2145052"/>
+            <a:off x="4431433" y="5159828"/>
+            <a:ext cx="1723941" cy="1578995"/>
           </a:xfrm>
           <a:prstGeom prst="straightConnector1">
             <a:avLst/>
@@ -3645,7 +3646,7 @@
         </p:nvCxnSpPr>
         <p:spPr>
           <a:xfrm flipH="1">
-            <a:off x="14635047" y="4593771"/>
+            <a:off x="18902247" y="4593771"/>
             <a:ext cx="2508365" cy="1812189"/>
           </a:xfrm>
           <a:prstGeom prst="straightConnector1">
@@ -3682,13 +3683,14 @@
           <p:cNvCxnSpPr>
             <a:cxnSpLocks/>
             <a:stCxn id="10" idx="3"/>
+            <a:endCxn id="13" idx="1"/>
           </p:cNvCxnSpPr>
           <p:nvPr/>
         </p:nvCxnSpPr>
         <p:spPr>
           <a:xfrm>
-            <a:off x="9448800" y="4593771"/>
-            <a:ext cx="2508362" cy="0"/>
+            <a:off x="12164288" y="4561560"/>
+            <a:ext cx="4060075" cy="32211"/>
           </a:xfrm>
           <a:prstGeom prst="straightConnector1">
             <a:avLst/>
@@ -3966,7 +3968,7 @@
         </p:nvCxnSpPr>
         <p:spPr>
           <a:xfrm>
-            <a:off x="14635048" y="4593771"/>
+            <a:off x="18902248" y="4593771"/>
             <a:ext cx="2508363" cy="0"/>
           </a:xfrm>
           <a:prstGeom prst="straightConnector1">
@@ -4012,7 +4014,7 @@
         </p:nvCxnSpPr>
         <p:spPr>
           <a:xfrm>
-            <a:off x="14635047" y="6405960"/>
+            <a:off x="18902247" y="6405960"/>
             <a:ext cx="2508364" cy="0"/>
           </a:xfrm>
           <a:prstGeom prst="straightConnector1">
@@ -4058,8 +4060,8 @@
         </p:nvCxnSpPr>
         <p:spPr>
           <a:xfrm flipH="1" flipV="1">
-            <a:off x="9448800" y="4593771"/>
-            <a:ext cx="2508362" cy="1812189"/>
+            <a:off x="12164288" y="4561560"/>
+            <a:ext cx="4060074" cy="1844400"/>
           </a:xfrm>
           <a:prstGeom prst="straightConnector1">
             <a:avLst/>
@@ -4291,8 +4293,8 @@
         </p:nvCxnSpPr>
         <p:spPr>
           <a:xfrm rot="5400000">
-            <a:off x="15685357" y="8257490"/>
-            <a:ext cx="4082470" cy="1511524"/>
+            <a:off x="17818957" y="6123890"/>
+            <a:ext cx="4082470" cy="5778724"/>
           </a:xfrm>
           <a:prstGeom prst="bentConnector2">
             <a:avLst/>
@@ -4333,7 +4335,7 @@
         </p:nvSpPr>
         <p:spPr>
           <a:xfrm>
-            <a:off x="10469880" y="1937657"/>
+            <a:off x="14737080" y="1937657"/>
             <a:ext cx="5699759" cy="7523198"/>
           </a:xfrm>
           <a:prstGeom prst="roundRect">
@@ -4421,7 +4423,7 @@
         </p:nvSpPr>
         <p:spPr>
           <a:xfrm>
-            <a:off x="11157856" y="7838613"/>
+            <a:off x="15425056" y="7838613"/>
             <a:ext cx="4343402" cy="1132114"/>
           </a:xfrm>
           <a:prstGeom prst="rect">
@@ -4490,7 +4492,7 @@
         <p:spPr>
           <a:xfrm flipV="1">
             <a:off x="9399493" y="8404670"/>
-            <a:ext cx="1758363" cy="1622242"/>
+            <a:ext cx="6025563" cy="1622242"/>
           </a:xfrm>
           <a:prstGeom prst="straightConnector1">
             <a:avLst/>
@@ -4532,7 +4534,7 @@
         </p:nvCxnSpPr>
         <p:spPr>
           <a:xfrm flipV="1">
-            <a:off x="15501258" y="4593771"/>
+            <a:off x="19768458" y="4593771"/>
             <a:ext cx="1642154" cy="3810899"/>
           </a:xfrm>
           <a:prstGeom prst="straightConnector1">
@@ -4579,11 +4581,11 @@
         <p:spPr>
           <a:xfrm flipH="1">
             <a:off x="16970830" y="4580578"/>
-            <a:ext cx="3002104" cy="6473909"/>
+            <a:ext cx="7269304" cy="6473909"/>
           </a:xfrm>
           <a:prstGeom prst="bentConnector3">
             <a:avLst>
-              <a:gd name="adj1" fmla="val -7615"/>
+              <a:gd name="adj1" fmla="val -3145"/>
             </a:avLst>
           </a:prstGeom>
           <a:ln w="76200">
@@ -4622,7 +4624,7 @@
         </p:nvSpPr>
         <p:spPr>
           <a:xfrm>
-            <a:off x="19659720" y="4442016"/>
+            <a:off x="23926920" y="4442016"/>
             <a:ext cx="313214" cy="277124"/>
           </a:xfrm>
           <a:prstGeom prst="rect">
@@ -4660,6 +4662,300 @@
           </a:p>
         </p:txBody>
       </p:sp>
+      <p:pic>
+        <p:nvPicPr>
+          <p:cNvPr id="3" name="그림 2" descr="그래픽, 폰트, 그래픽 디자인, 로고이(가) 표시된 사진&#10;&#10;자동 생성된 설명">
+            <a:extLst>
+              <a:ext uri="{FF2B5EF4-FFF2-40B4-BE49-F238E27FC236}">
+                <a16:creationId xmlns:a16="http://schemas.microsoft.com/office/drawing/2014/main" id="{FC14574F-ED31-204B-64B1-3D614F6C1552}"/>
+              </a:ext>
+            </a:extLst>
+          </p:cNvPr>
+          <p:cNvPicPr>
+            <a:picLocks noChangeAspect="1"/>
+          </p:cNvPicPr>
+          <p:nvPr/>
+        </p:nvPicPr>
+        <p:blipFill>
+          <a:blip r:embed="rId5">
+            <a:extLst>
+              <a:ext uri="{28A0092B-C50C-407E-A947-70E740481C1C}">
+                <a14:useLocalDpi xmlns:a14="http://schemas.microsoft.com/office/drawing/2010/main" val="0"/>
+              </a:ext>
+            </a:extLst>
+          </a:blip>
+          <a:stretch>
+            <a:fillRect/>
+          </a:stretch>
+        </p:blipFill>
+        <p:spPr>
+          <a:xfrm>
+            <a:off x="6155374" y="4708237"/>
+            <a:ext cx="1806364" cy="903182"/>
+          </a:xfrm>
+          <a:prstGeom prst="rect">
+            <a:avLst/>
+          </a:prstGeom>
+        </p:spPr>
+      </p:pic>
+      <p:sp>
+        <p:nvSpPr>
+          <p:cNvPr id="26" name="직사각형 25">
+            <a:extLst>
+              <a:ext uri="{FF2B5EF4-FFF2-40B4-BE49-F238E27FC236}">
+                <a16:creationId xmlns:a16="http://schemas.microsoft.com/office/drawing/2014/main" id="{DCFE813A-D380-7A79-B752-7212B861C4A8}"/>
+              </a:ext>
+            </a:extLst>
+          </p:cNvPr>
+          <p:cNvSpPr/>
+          <p:nvPr/>
+        </p:nvSpPr>
+        <p:spPr>
+          <a:xfrm>
+            <a:off x="9486403" y="5844094"/>
+            <a:ext cx="2677885" cy="1132114"/>
+          </a:xfrm>
+          <a:prstGeom prst="rect">
+            <a:avLst/>
+          </a:prstGeom>
+          <a:noFill/>
+          <a:ln>
+            <a:solidFill>
+              <a:schemeClr val="accent6">
+                <a:lumMod val="50000"/>
+              </a:schemeClr>
+            </a:solidFill>
+          </a:ln>
+        </p:spPr>
+        <p:style>
+          <a:lnRef idx="2">
+            <a:schemeClr val="accent1">
+              <a:shade val="15000"/>
+            </a:schemeClr>
+          </a:lnRef>
+          <a:fillRef idx="1">
+            <a:schemeClr val="accent1"/>
+          </a:fillRef>
+          <a:effectRef idx="0">
+            <a:schemeClr val="accent1"/>
+          </a:effectRef>
+          <a:fontRef idx="minor">
+            <a:schemeClr val="lt1"/>
+          </a:fontRef>
+        </p:style>
+        <p:txBody>
+          <a:bodyPr rtlCol="0" anchor="ctr"/>
+          <a:lstStyle/>
+          <a:p>
+            <a:pPr algn="ctr"/>
+            <a:r>
+              <a:rPr lang="en-US" altLang="ko-KR" sz="3400" b="1">
+                <a:solidFill>
+                  <a:schemeClr val="tx1"/>
+                </a:solidFill>
+              </a:rPr>
+              <a:t>Chat</a:t>
+            </a:r>
+          </a:p>
+          <a:p>
+            <a:pPr algn="ctr"/>
+            <a:r>
+              <a:rPr lang="en-US" altLang="ko-KR" sz="3400" b="1">
+                <a:solidFill>
+                  <a:schemeClr val="tx1"/>
+                </a:solidFill>
+              </a:rPr>
+              <a:t>Server</a:t>
+            </a:r>
+            <a:endParaRPr lang="ko-KR" altLang="en-US" sz="3400" b="1">
+              <a:solidFill>
+                <a:schemeClr val="tx1"/>
+              </a:solidFill>
+            </a:endParaRPr>
+          </a:p>
+        </p:txBody>
+      </p:sp>
+      <p:cxnSp>
+        <p:nvCxnSpPr>
+          <p:cNvPr id="29" name="직선 화살표 연결선 28">
+            <a:extLst>
+              <a:ext uri="{FF2B5EF4-FFF2-40B4-BE49-F238E27FC236}">
+                <a16:creationId xmlns:a16="http://schemas.microsoft.com/office/drawing/2014/main" id="{6BFC3A97-FB0A-8167-7AB1-5B7902BFD54E}"/>
+              </a:ext>
+            </a:extLst>
+          </p:cNvPr>
+          <p:cNvCxnSpPr>
+            <a:cxnSpLocks/>
+            <a:stCxn id="3" idx="3"/>
+            <a:endCxn id="10" idx="1"/>
+          </p:cNvCxnSpPr>
+          <p:nvPr/>
+        </p:nvCxnSpPr>
+        <p:spPr>
+          <a:xfrm flipV="1">
+            <a:off x="7961738" y="4561560"/>
+            <a:ext cx="1524665" cy="598268"/>
+          </a:xfrm>
+          <a:prstGeom prst="straightConnector1">
+            <a:avLst/>
+          </a:prstGeom>
+          <a:ln w="76200">
+            <a:solidFill>
+              <a:schemeClr val="tx1"/>
+            </a:solidFill>
+            <a:tailEnd type="triangle"/>
+          </a:ln>
+        </p:spPr>
+        <p:style>
+          <a:lnRef idx="1">
+            <a:schemeClr val="accent1"/>
+          </a:lnRef>
+          <a:fillRef idx="0">
+            <a:schemeClr val="accent1"/>
+          </a:fillRef>
+          <a:effectRef idx="0">
+            <a:schemeClr val="accent1"/>
+          </a:effectRef>
+          <a:fontRef idx="minor">
+            <a:schemeClr val="tx1"/>
+          </a:fontRef>
+        </p:style>
+      </p:cxnSp>
+      <p:cxnSp>
+        <p:nvCxnSpPr>
+          <p:cNvPr id="35" name="직선 화살표 연결선 34">
+            <a:extLst>
+              <a:ext uri="{FF2B5EF4-FFF2-40B4-BE49-F238E27FC236}">
+                <a16:creationId xmlns:a16="http://schemas.microsoft.com/office/drawing/2014/main" id="{5C233465-ABA8-37BE-78EA-C65F1502C735}"/>
+              </a:ext>
+            </a:extLst>
+          </p:cNvPr>
+          <p:cNvCxnSpPr>
+            <a:cxnSpLocks/>
+            <a:stCxn id="3" idx="3"/>
+            <a:endCxn id="26" idx="1"/>
+          </p:cNvCxnSpPr>
+          <p:nvPr/>
+        </p:nvCxnSpPr>
+        <p:spPr>
+          <a:xfrm>
+            <a:off x="7961738" y="5159828"/>
+            <a:ext cx="1524665" cy="1250323"/>
+          </a:xfrm>
+          <a:prstGeom prst="straightConnector1">
+            <a:avLst/>
+          </a:prstGeom>
+          <a:ln w="76200">
+            <a:solidFill>
+              <a:schemeClr val="tx1"/>
+            </a:solidFill>
+            <a:tailEnd type="triangle"/>
+          </a:ln>
+        </p:spPr>
+        <p:style>
+          <a:lnRef idx="1">
+            <a:schemeClr val="accent1"/>
+          </a:lnRef>
+          <a:fillRef idx="0">
+            <a:schemeClr val="accent1"/>
+          </a:fillRef>
+          <a:effectRef idx="0">
+            <a:schemeClr val="accent1"/>
+          </a:effectRef>
+          <a:fontRef idx="minor">
+            <a:schemeClr val="tx1"/>
+          </a:fontRef>
+        </p:style>
+      </p:cxnSp>
+      <p:cxnSp>
+        <p:nvCxnSpPr>
+          <p:cNvPr id="61" name="직선 화살표 연결선 60">
+            <a:extLst>
+              <a:ext uri="{FF2B5EF4-FFF2-40B4-BE49-F238E27FC236}">
+                <a16:creationId xmlns:a16="http://schemas.microsoft.com/office/drawing/2014/main" id="{FC3EED4A-EB79-2408-3576-3D8016289F4F}"/>
+              </a:ext>
+            </a:extLst>
+          </p:cNvPr>
+          <p:cNvCxnSpPr>
+            <a:cxnSpLocks/>
+            <a:stCxn id="14" idx="1"/>
+            <a:endCxn id="26" idx="3"/>
+          </p:cNvCxnSpPr>
+          <p:nvPr/>
+        </p:nvCxnSpPr>
+        <p:spPr>
+          <a:xfrm flipH="1">
+            <a:off x="12164288" y="6405960"/>
+            <a:ext cx="4060074" cy="4191"/>
+          </a:xfrm>
+          <a:prstGeom prst="straightConnector1">
+            <a:avLst/>
+          </a:prstGeom>
+          <a:ln w="76200">
+            <a:solidFill>
+              <a:schemeClr val="accent2"/>
+            </a:solidFill>
+            <a:tailEnd type="triangle"/>
+          </a:ln>
+        </p:spPr>
+        <p:style>
+          <a:lnRef idx="1">
+            <a:schemeClr val="accent1"/>
+          </a:lnRef>
+          <a:fillRef idx="0">
+            <a:schemeClr val="accent1"/>
+          </a:fillRef>
+          <a:effectRef idx="0">
+            <a:schemeClr val="accent1"/>
+          </a:effectRef>
+          <a:fontRef idx="minor">
+            <a:schemeClr val="tx1"/>
+          </a:fontRef>
+        </p:style>
+      </p:cxnSp>
+      <p:cxnSp>
+        <p:nvCxnSpPr>
+          <p:cNvPr id="66" name="직선 화살표 연결선 65">
+            <a:extLst>
+              <a:ext uri="{FF2B5EF4-FFF2-40B4-BE49-F238E27FC236}">
+                <a16:creationId xmlns:a16="http://schemas.microsoft.com/office/drawing/2014/main" id="{0248E763-0BAE-D4A6-DFF6-0B423022A491}"/>
+              </a:ext>
+            </a:extLst>
+          </p:cNvPr>
+          <p:cNvCxnSpPr>
+            <a:cxnSpLocks/>
+            <a:stCxn id="26" idx="3"/>
+            <a:endCxn id="13" idx="1"/>
+          </p:cNvCxnSpPr>
+          <p:nvPr/>
+        </p:nvCxnSpPr>
+        <p:spPr>
+          <a:xfrm flipV="1">
+            <a:off x="12164288" y="4593771"/>
+            <a:ext cx="4060075" cy="1816380"/>
+          </a:xfrm>
+          <a:prstGeom prst="straightConnector1">
+            <a:avLst/>
+          </a:prstGeom>
+          <a:ln w="76200">
+            <a:tailEnd type="triangle"/>
+          </a:ln>
+        </p:spPr>
+        <p:style>
+          <a:lnRef idx="1">
+            <a:schemeClr val="accent1"/>
+          </a:lnRef>
+          <a:fillRef idx="0">
+            <a:schemeClr val="accent1"/>
+          </a:fillRef>
+          <a:effectRef idx="0">
+            <a:schemeClr val="accent1"/>
+          </a:effectRef>
+          <a:fontRef idx="minor">
+            <a:schemeClr val="tx1"/>
+          </a:fontRef>
+        </p:style>
+      </p:cxnSp>
     </p:spTree>
     <p:extLst>
       <p:ext uri="{BB962C8B-B14F-4D97-AF65-F5344CB8AC3E}">
